--- a/Short Course/Slides/Session 5.pptx
+++ b/Short Course/Slides/Session 5.pptx
@@ -202,7 +202,7 @@
           <a:p>
             <a:fld id="{7A3986F9-0C27-A040-994D-39FA116F985F}" type="datetimeFigureOut">
               <a:rPr lang="en-US" smtClean="0"/>
-              <a:t>9/8/21</a:t>
+              <a:t>9/14/21</a:t>
             </a:fld>
             <a:endParaRPr lang="en-US"/>
           </a:p>
@@ -614,9 +614,9 @@
           <a:bodyPr/>
           <a:lstStyle/>
           <a:p>
-            <a:fld id="{E51F36FF-A851-7F4C-B150-B4191BE92CAA}" type="datetime1">
+            <a:fld id="{656E4575-9037-6C4D-B58B-73F3BF68E245}" type="datetime1">
               <a:rPr lang="en-US" smtClean="0"/>
-              <a:t>9/8/21</a:t>
+              <a:t>9/14/21</a:t>
             </a:fld>
             <a:endParaRPr lang="en-US"/>
           </a:p>
@@ -909,9 +909,9 @@
           <a:bodyPr/>
           <a:lstStyle/>
           <a:p>
-            <a:fld id="{4F13DD73-CA84-0E43-B81C-3777AEB77A93}" type="datetime1">
+            <a:fld id="{02E6B2B1-8E06-D743-B52D-B8F2EFAD01C7}" type="datetime1">
               <a:rPr lang="en-US" smtClean="0"/>
-              <a:t>9/8/21</a:t>
+              <a:t>9/14/21</a:t>
             </a:fld>
             <a:endParaRPr lang="en-US"/>
           </a:p>
@@ -1120,9 +1120,9 @@
           <a:bodyPr/>
           <a:lstStyle/>
           <a:p>
-            <a:fld id="{8EA37F9A-A78D-3B4B-AB12-DD59B6C4BBFC}" type="datetime1">
+            <a:fld id="{AB5BB8DD-DFF5-CB41-BA99-43000A6C6B19}" type="datetime1">
               <a:rPr lang="en-US" smtClean="0"/>
-              <a:t>9/8/21</a:t>
+              <a:t>9/14/21</a:t>
             </a:fld>
             <a:endParaRPr lang="en-US"/>
           </a:p>
@@ -1331,9 +1331,9 @@
           <a:bodyPr/>
           <a:lstStyle/>
           <a:p>
-            <a:fld id="{141DD960-9FA1-FB44-9FFB-107CF614D39F}" type="datetime1">
+            <a:fld id="{314B5C57-4D88-5A4D-84A9-18CFE87AAE3E}" type="datetime1">
               <a:rPr lang="en-US" smtClean="0"/>
-              <a:t>9/8/21</a:t>
+              <a:t>9/14/21</a:t>
             </a:fld>
             <a:endParaRPr lang="en-US"/>
           </a:p>
@@ -1703,9 +1703,9 @@
           <a:bodyPr/>
           <a:lstStyle/>
           <a:p>
-            <a:fld id="{D0E887F2-B4FE-554E-A17E-5BD55E5D3277}" type="datetime1">
+            <a:fld id="{2DC0D830-9717-A441-9B62-773E29AC96B9}" type="datetime1">
               <a:rPr lang="en-US" smtClean="0"/>
-              <a:t>9/8/21</a:t>
+              <a:t>9/14/21</a:t>
             </a:fld>
             <a:endParaRPr lang="en-US"/>
           </a:p>
@@ -1971,9 +1971,9 @@
           <a:bodyPr/>
           <a:lstStyle/>
           <a:p>
-            <a:fld id="{A7742204-FF39-704A-BE7C-46E92B6CE622}" type="datetime1">
+            <a:fld id="{D6A14583-23B1-FC4B-AFBF-828F90F815F4}" type="datetime1">
               <a:rPr lang="en-US" smtClean="0"/>
-              <a:t>9/8/21</a:t>
+              <a:t>9/14/21</a:t>
             </a:fld>
             <a:endParaRPr lang="en-US"/>
           </a:p>
@@ -2386,9 +2386,9 @@
           <a:bodyPr/>
           <a:lstStyle/>
           <a:p>
-            <a:fld id="{10270A06-4B7C-9A46-A9DD-B910471E974C}" type="datetime1">
+            <a:fld id="{ED2FB974-AC65-B64B-9DA7-D1601BE4E63E}" type="datetime1">
               <a:rPr lang="en-US" smtClean="0"/>
-              <a:t>9/8/21</a:t>
+              <a:t>9/14/21</a:t>
             </a:fld>
             <a:endParaRPr lang="en-US"/>
           </a:p>
@@ -2539,9 +2539,9 @@
           <a:bodyPr/>
           <a:lstStyle/>
           <a:p>
-            <a:fld id="{807E1AA5-3DC0-574A-895B-84ED0F1FB58A}" type="datetime1">
+            <a:fld id="{F6D76997-BC9E-E645-B9EF-145C6C51CB11}" type="datetime1">
               <a:rPr lang="en-US" smtClean="0"/>
-              <a:t>9/8/21</a:t>
+              <a:t>9/14/21</a:t>
             </a:fld>
             <a:endParaRPr lang="en-US"/>
           </a:p>
@@ -2749,9 +2749,9 @@
           <a:bodyPr/>
           <a:lstStyle/>
           <a:p>
-            <a:fld id="{0C8081F9-6E23-4740-9100-2B576D66C160}" type="datetime1">
+            <a:fld id="{4EC9DE8C-C4EB-774A-94AF-06167D5A2AC6}" type="datetime1">
               <a:rPr lang="en-US" smtClean="0"/>
-              <a:t>9/8/21</a:t>
+              <a:t>9/14/21</a:t>
             </a:fld>
             <a:endParaRPr lang="en-US"/>
           </a:p>
@@ -3157,9 +3157,9 @@
           <a:bodyPr/>
           <a:lstStyle/>
           <a:p>
-            <a:fld id="{AD2DBEC7-38D6-4740-BA81-7FA530B6BFA1}" type="datetime1">
+            <a:fld id="{BC37970D-2EAB-9E47-963D-5C0CD0087D5C}" type="datetime1">
               <a:rPr lang="en-US" smtClean="0"/>
-              <a:t>9/8/21</a:t>
+              <a:t>9/14/21</a:t>
             </a:fld>
             <a:endParaRPr lang="en-US"/>
           </a:p>
@@ -3451,9 +3451,9 @@
           <a:bodyPr/>
           <a:lstStyle/>
           <a:p>
-            <a:fld id="{9A47A6C8-C8E5-AC46-A10A-7F15A09C18EA}" type="datetime1">
+            <a:fld id="{590FB17E-8F0C-CC44-A49F-2F40FED11E58}" type="datetime1">
               <a:rPr lang="en-US" smtClean="0"/>
-              <a:t>9/8/21</a:t>
+              <a:t>9/14/21</a:t>
             </a:fld>
             <a:endParaRPr lang="en-US"/>
           </a:p>
@@ -3695,9 +3695,9 @@
             </a:lvl1pPr>
           </a:lstStyle>
           <a:p>
-            <a:fld id="{5AFE5CEB-6F73-224C-9B1F-50741ACA7703}" type="datetime1">
+            <a:fld id="{06496CED-37D2-0248-BBC1-6DDBF7A3B5E1}" type="datetime1">
               <a:rPr lang="en-US" smtClean="0"/>
-              <a:t>9/8/21</a:t>
+              <a:t>9/14/21</a:t>
             </a:fld>
             <a:endParaRPr lang="en-US"/>
           </a:p>
@@ -3817,7 +3817,7 @@
     <p:sldLayoutId id="2147483658" r:id="rId10"/>
     <p:sldLayoutId id="2147483659" r:id="rId11"/>
   </p:sldLayoutIdLst>
-  <p:hf sldNum="0" hdr="0" dt="0"/>
+  <p:hf hdr="0" dt="0"/>
   <p:txStyles>
     <p:titleStyle>
       <a:lvl1pPr algn="l" defTabSz="914400" rtl="0" eaLnBrk="1" latinLnBrk="0" hangingPunct="1">
@@ -4332,6 +4332,35 @@
           </a:p>
         </p:txBody>
       </p:sp>
+      <p:sp>
+        <p:nvSpPr>
+          <p:cNvPr id="5" name="Slide Number Placeholder 4">
+            <a:extLst>
+              <a:ext uri="{FF2B5EF4-FFF2-40B4-BE49-F238E27FC236}">
+                <a16:creationId xmlns:a16="http://schemas.microsoft.com/office/drawing/2014/main" id="{0CA36CEC-ED1C-8F4C-B332-E1C284C07CBA}"/>
+              </a:ext>
+            </a:extLst>
+          </p:cNvPr>
+          <p:cNvSpPr>
+            <a:spLocks noGrp="1"/>
+          </p:cNvSpPr>
+          <p:nvPr>
+            <p:ph type="sldNum" sz="quarter" idx="12"/>
+          </p:nvPr>
+        </p:nvSpPr>
+        <p:spPr/>
+        <p:txBody>
+          <a:bodyPr/>
+          <a:lstStyle/>
+          <a:p>
+            <a:fld id="{7B5F8CF4-080C-6448-A4C0-B6A3C5CD13C0}" type="slidenum">
+              <a:rPr lang="en-US" smtClean="0"/>
+              <a:t>2</a:t>
+            </a:fld>
+            <a:endParaRPr lang="en-US"/>
+          </a:p>
+        </p:txBody>
+      </p:sp>
     </p:spTree>
     <p:extLst>
       <p:ext uri="{BB962C8B-B14F-4D97-AF65-F5344CB8AC3E}">
@@ -4464,6 +4493,35 @@
           </a:p>
         </p:txBody>
       </p:sp>
+      <p:sp>
+        <p:nvSpPr>
+          <p:cNvPr id="5" name="Slide Number Placeholder 4">
+            <a:extLst>
+              <a:ext uri="{FF2B5EF4-FFF2-40B4-BE49-F238E27FC236}">
+                <a16:creationId xmlns:a16="http://schemas.microsoft.com/office/drawing/2014/main" id="{53325278-C452-7A44-A3CC-81B4030C52E4}"/>
+              </a:ext>
+            </a:extLst>
+          </p:cNvPr>
+          <p:cNvSpPr>
+            <a:spLocks noGrp="1"/>
+          </p:cNvSpPr>
+          <p:nvPr>
+            <p:ph type="sldNum" sz="quarter" idx="12"/>
+          </p:nvPr>
+        </p:nvSpPr>
+        <p:spPr/>
+        <p:txBody>
+          <a:bodyPr/>
+          <a:lstStyle/>
+          <a:p>
+            <a:fld id="{7B5F8CF4-080C-6448-A4C0-B6A3C5CD13C0}" type="slidenum">
+              <a:rPr lang="en-US" smtClean="0"/>
+              <a:t>3</a:t>
+            </a:fld>
+            <a:endParaRPr lang="en-US"/>
+          </a:p>
+        </p:txBody>
+      </p:sp>
     </p:spTree>
     <p:extLst>
       <p:ext uri="{BB962C8B-B14F-4D97-AF65-F5344CB8AC3E}">
@@ -4602,6 +4660,35 @@
           </a:p>
         </p:txBody>
       </p:sp>
+      <p:sp>
+        <p:nvSpPr>
+          <p:cNvPr id="5" name="Slide Number Placeholder 4">
+            <a:extLst>
+              <a:ext uri="{FF2B5EF4-FFF2-40B4-BE49-F238E27FC236}">
+                <a16:creationId xmlns:a16="http://schemas.microsoft.com/office/drawing/2014/main" id="{8E878BC0-7EA8-8D42-AB10-2559D7A1B002}"/>
+              </a:ext>
+            </a:extLst>
+          </p:cNvPr>
+          <p:cNvSpPr>
+            <a:spLocks noGrp="1"/>
+          </p:cNvSpPr>
+          <p:nvPr>
+            <p:ph type="sldNum" sz="quarter" idx="12"/>
+          </p:nvPr>
+        </p:nvSpPr>
+        <p:spPr/>
+        <p:txBody>
+          <a:bodyPr/>
+          <a:lstStyle/>
+          <a:p>
+            <a:fld id="{7B5F8CF4-080C-6448-A4C0-B6A3C5CD13C0}" type="slidenum">
+              <a:rPr lang="en-US" smtClean="0"/>
+              <a:t>4</a:t>
+            </a:fld>
+            <a:endParaRPr lang="en-US"/>
+          </a:p>
+        </p:txBody>
+      </p:sp>
     </p:spTree>
     <p:extLst>
       <p:ext uri="{BB962C8B-B14F-4D97-AF65-F5344CB8AC3E}">
@@ -4718,6 +4805,35 @@
           </a:prstGeom>
         </p:spPr>
       </p:pic>
+      <p:sp>
+        <p:nvSpPr>
+          <p:cNvPr id="5" name="Slide Number Placeholder 4">
+            <a:extLst>
+              <a:ext uri="{FF2B5EF4-FFF2-40B4-BE49-F238E27FC236}">
+                <a16:creationId xmlns:a16="http://schemas.microsoft.com/office/drawing/2014/main" id="{CE1BFFA8-9C77-1D42-8BB5-9FEFE78B39A3}"/>
+              </a:ext>
+            </a:extLst>
+          </p:cNvPr>
+          <p:cNvSpPr>
+            <a:spLocks noGrp="1"/>
+          </p:cNvSpPr>
+          <p:nvPr>
+            <p:ph type="sldNum" sz="quarter" idx="12"/>
+          </p:nvPr>
+        </p:nvSpPr>
+        <p:spPr/>
+        <p:txBody>
+          <a:bodyPr/>
+          <a:lstStyle/>
+          <a:p>
+            <a:fld id="{7B5F8CF4-080C-6448-A4C0-B6A3C5CD13C0}" type="slidenum">
+              <a:rPr lang="en-US" smtClean="0"/>
+              <a:t>5</a:t>
+            </a:fld>
+            <a:endParaRPr lang="en-US"/>
+          </a:p>
+        </p:txBody>
+      </p:sp>
     </p:spTree>
     <p:extLst>
       <p:ext uri="{BB962C8B-B14F-4D97-AF65-F5344CB8AC3E}">
@@ -4855,6 +4971,35 @@
               <a:rPr lang="en-US"/>
               <a:t>DES Short Course - Session 5</a:t>
             </a:r>
+          </a:p>
+        </p:txBody>
+      </p:sp>
+      <p:sp>
+        <p:nvSpPr>
+          <p:cNvPr id="2" name="Slide Number Placeholder 1">
+            <a:extLst>
+              <a:ext uri="{FF2B5EF4-FFF2-40B4-BE49-F238E27FC236}">
+                <a16:creationId xmlns:a16="http://schemas.microsoft.com/office/drawing/2014/main" id="{04630A5A-EE08-6E4A-AFC0-51EA9FC971F6}"/>
+              </a:ext>
+            </a:extLst>
+          </p:cNvPr>
+          <p:cNvSpPr>
+            <a:spLocks noGrp="1"/>
+          </p:cNvSpPr>
+          <p:nvPr>
+            <p:ph type="sldNum" sz="quarter" idx="12"/>
+          </p:nvPr>
+        </p:nvSpPr>
+        <p:spPr/>
+        <p:txBody>
+          <a:bodyPr/>
+          <a:lstStyle/>
+          <a:p>
+            <a:fld id="{7B5F8CF4-080C-6448-A4C0-B6A3C5CD13C0}" type="slidenum">
+              <a:rPr lang="en-US" smtClean="0"/>
+              <a:t>6</a:t>
+            </a:fld>
+            <a:endParaRPr lang="en-US"/>
           </a:p>
         </p:txBody>
       </p:sp>
